--- a/networkStudy/2015-05-204421-ipv4-nat.pptx
+++ b/networkStudy/2015-05-204421-ipv4-nat.pptx
@@ -286,7 +286,7 @@
             <a:fld id="{2C3CF358-CF8F-4F0C-A24C-5D255A81998F}" type="datetimeFigureOut">
               <a:rPr lang="th-TH"/>
               <a:pPr/>
-              <a:t>28/02/60</a:t>
+              <a:t>20/03/60</a:t>
             </a:fld>
             <a:endParaRPr lang="th-TH"/>
           </a:p>
@@ -296,7 +296,7 @@
         <p:nvSpPr>
           <p:cNvPr id="38916" name="Rectangle 4"/>
           <p:cNvSpPr>
-            <a:spLocks noRot="1" noChangeArrowheads="1" noTextEdit="1"/>
+            <a:spLocks noGrp="1" noRot="1" noChangeAspect="1" noChangeArrowheads="1" noTextEdit="1"/>
           </p:cNvSpPr>
           <p:nvPr>
             <p:ph type="sldImg" idx="2"/>
@@ -491,6 +491,11 @@
         </p:txBody>
       </p:sp>
     </p:spTree>
+    <p:extLst>
+      <p:ext uri="{BB962C8B-B14F-4D97-AF65-F5344CB8AC3E}">
+        <p14:creationId xmlns:p14="http://schemas.microsoft.com/office/powerpoint/2010/main" val="1552334830"/>
+      </p:ext>
+    </p:extLst>
   </p:cSld>
   <p:clrMap bg1="lt1" tx1="dk1" bg2="lt2" tx2="dk2" accent1="accent1" accent2="accent2" accent3="accent3" accent4="accent4" accent5="accent5" accent6="accent6" hlink="hlink" folHlink="folHlink"/>
   <p:notesStyle>
@@ -639,7 +644,7 @@
         <p:nvSpPr>
           <p:cNvPr id="39938" name="Rectangle 2"/>
           <p:cNvSpPr>
-            <a:spLocks noRot="1" noChangeArrowheads="1" noTextEdit="1"/>
+            <a:spLocks noGrp="1" noRot="1" noChangeAspect="1" noChangeArrowheads="1" noTextEdit="1"/>
           </p:cNvSpPr>
           <p:nvPr>
             <p:ph type="sldImg"/>
@@ -729,7 +734,7 @@
         <p:nvSpPr>
           <p:cNvPr id="49154" name="Rectangle 2"/>
           <p:cNvSpPr>
-            <a:spLocks noRot="1" noChangeArrowheads="1" noTextEdit="1"/>
+            <a:spLocks noGrp="1" noRot="1" noChangeAspect="1" noChangeArrowheads="1" noTextEdit="1"/>
           </p:cNvSpPr>
           <p:nvPr>
             <p:ph type="sldImg"/>
@@ -829,7 +834,7 @@
         <p:nvSpPr>
           <p:cNvPr id="50178" name="Rectangle 2"/>
           <p:cNvSpPr>
-            <a:spLocks noRot="1" noChangeArrowheads="1" noTextEdit="1"/>
+            <a:spLocks noGrp="1" noRot="1" noChangeAspect="1" noChangeArrowheads="1" noTextEdit="1"/>
           </p:cNvSpPr>
           <p:nvPr>
             <p:ph type="sldImg"/>
@@ -906,7 +911,7 @@
         <p:nvSpPr>
           <p:cNvPr id="51202" name="Rectangle 2"/>
           <p:cNvSpPr>
-            <a:spLocks noRot="1" noChangeArrowheads="1" noTextEdit="1"/>
+            <a:spLocks noGrp="1" noRot="1" noChangeAspect="1" noChangeArrowheads="1" noTextEdit="1"/>
           </p:cNvSpPr>
           <p:nvPr>
             <p:ph type="sldImg"/>
@@ -967,7 +972,7 @@
         <p:nvSpPr>
           <p:cNvPr id="52226" name="Rectangle 2"/>
           <p:cNvSpPr>
-            <a:spLocks noRot="1" noChangeArrowheads="1" noTextEdit="1"/>
+            <a:spLocks noGrp="1" noRot="1" noChangeAspect="1" noChangeArrowheads="1" noTextEdit="1"/>
           </p:cNvSpPr>
           <p:nvPr>
             <p:ph type="sldImg"/>
@@ -1052,7 +1057,7 @@
         <p:nvSpPr>
           <p:cNvPr id="53250" name="Rectangle 2"/>
           <p:cNvSpPr>
-            <a:spLocks noRot="1" noChangeArrowheads="1" noTextEdit="1"/>
+            <a:spLocks noGrp="1" noRot="1" noChangeAspect="1" noChangeArrowheads="1" noTextEdit="1"/>
           </p:cNvSpPr>
           <p:nvPr>
             <p:ph type="sldImg"/>
@@ -1078,9 +1083,38 @@
           <a:lstStyle/>
           <a:p>
             <a:r>
-              <a:rPr lang="th-TH"/>
-              <a:t>ยุคปัจจุบัน</a:t>
-            </a:r>
+              <a:rPr lang="th-TH" dirty="0"/>
+              <a:t>ยุค</a:t>
+            </a:r>
+            <a:r>
+              <a:rPr lang="th-TH" dirty="0" smtClean="0"/>
+              <a:t>ปัจจุบัน เป็น</a:t>
+            </a:r>
+            <a:r>
+              <a:rPr lang="th-TH" baseline="0" dirty="0" smtClean="0"/>
+              <a:t> </a:t>
+            </a:r>
+            <a:r>
+              <a:rPr lang="en-US" baseline="0" dirty="0" err="1" smtClean="0"/>
+              <a:t>ip</a:t>
+            </a:r>
+            <a:r>
+              <a:rPr lang="th-TH" baseline="0" dirty="0" smtClean="0"/>
+              <a:t> ที่สามารถเปลี่ยนแปลงไปได้เรื่อยๆ ใช้คำสั่งนี้เพื่อหา </a:t>
+            </a:r>
+            <a:r>
+              <a:rPr lang="en-US" baseline="0" dirty="0" err="1" smtClean="0"/>
+              <a:t>ip</a:t>
+            </a:r>
+            <a:r>
+              <a:rPr lang="en-US" baseline="0" dirty="0" smtClean="0"/>
+              <a:t> </a:t>
+            </a:r>
+            <a:r>
+              <a:rPr lang="th-TH" baseline="0" dirty="0" smtClean="0"/>
+              <a:t>ที่แท้จริง</a:t>
+            </a:r>
+            <a:endParaRPr lang="th-TH" dirty="0"/>
           </a:p>
         </p:txBody>
       </p:sp>
@@ -1113,7 +1147,7 @@
         <p:nvSpPr>
           <p:cNvPr id="54274" name="Rectangle 2"/>
           <p:cNvSpPr>
-            <a:spLocks noRot="1" noChangeArrowheads="1" noTextEdit="1"/>
+            <a:spLocks noGrp="1" noRot="1" noChangeAspect="1" noChangeArrowheads="1" noTextEdit="1"/>
           </p:cNvSpPr>
           <p:nvPr>
             <p:ph type="sldImg"/>
@@ -1179,7 +1213,7 @@
         <p:nvSpPr>
           <p:cNvPr id="55298" name="Rectangle 2"/>
           <p:cNvSpPr>
-            <a:spLocks noRot="1" noChangeArrowheads="1" noTextEdit="1"/>
+            <a:spLocks noGrp="1" noRot="1" noChangeAspect="1" noChangeArrowheads="1" noTextEdit="1"/>
           </p:cNvSpPr>
           <p:nvPr>
             <p:ph type="sldImg"/>
@@ -1261,7 +1295,7 @@
         <p:nvSpPr>
           <p:cNvPr id="56322" name="Rectangle 2"/>
           <p:cNvSpPr>
-            <a:spLocks noRot="1" noChangeArrowheads="1" noTextEdit="1"/>
+            <a:spLocks noGrp="1" noRot="1" noChangeAspect="1" noChangeArrowheads="1" noTextEdit="1"/>
           </p:cNvSpPr>
           <p:nvPr>
             <p:ph type="sldImg"/>
@@ -1338,7 +1372,7 @@
         <p:nvSpPr>
           <p:cNvPr id="57346" name="Rectangle 2"/>
           <p:cNvSpPr>
-            <a:spLocks noRot="1" noChangeArrowheads="1" noTextEdit="1"/>
+            <a:spLocks noGrp="1" noRot="1" noChangeAspect="1" noChangeArrowheads="1" noTextEdit="1"/>
           </p:cNvSpPr>
           <p:nvPr>
             <p:ph type="sldImg"/>
@@ -1415,7 +1449,7 @@
         <p:nvSpPr>
           <p:cNvPr id="58370" name="Rectangle 2"/>
           <p:cNvSpPr>
-            <a:spLocks noRot="1" noChangeArrowheads="1" noTextEdit="1"/>
+            <a:spLocks noGrp="1" noRot="1" noChangeAspect="1" noChangeArrowheads="1" noTextEdit="1"/>
           </p:cNvSpPr>
           <p:nvPr>
             <p:ph type="sldImg"/>
@@ -1489,7 +1523,7 @@
         <p:nvSpPr>
           <p:cNvPr id="40962" name="Rectangle 2"/>
           <p:cNvSpPr>
-            <a:spLocks noRot="1" noChangeArrowheads="1" noTextEdit="1"/>
+            <a:spLocks noGrp="1" noRot="1" noChangeAspect="1" noChangeArrowheads="1" noTextEdit="1"/>
           </p:cNvSpPr>
           <p:nvPr>
             <p:ph type="sldImg"/>
@@ -1550,7 +1584,7 @@
         <p:nvSpPr>
           <p:cNvPr id="41986" name="Rectangle 2"/>
           <p:cNvSpPr>
-            <a:spLocks noRot="1" noChangeArrowheads="1" noTextEdit="1"/>
+            <a:spLocks noGrp="1" noRot="1" noChangeAspect="1" noChangeArrowheads="1" noTextEdit="1"/>
           </p:cNvSpPr>
           <p:nvPr>
             <p:ph type="sldImg"/>
@@ -1623,7 +1657,7 @@
         <p:nvSpPr>
           <p:cNvPr id="43010" name="Rectangle 2"/>
           <p:cNvSpPr>
-            <a:spLocks noRot="1" noChangeArrowheads="1" noTextEdit="1"/>
+            <a:spLocks noGrp="1" noRot="1" noChangeAspect="1" noChangeArrowheads="1" noTextEdit="1"/>
           </p:cNvSpPr>
           <p:nvPr>
             <p:ph type="sldImg"/>
@@ -1705,7 +1739,7 @@
         <p:nvSpPr>
           <p:cNvPr id="44034" name="Rectangle 2"/>
           <p:cNvSpPr>
-            <a:spLocks noRot="1" noChangeArrowheads="1" noTextEdit="1"/>
+            <a:spLocks noGrp="1" noRot="1" noChangeAspect="1" noChangeArrowheads="1" noTextEdit="1"/>
           </p:cNvSpPr>
           <p:nvPr>
             <p:ph type="sldImg"/>
@@ -1778,7 +1812,7 @@
         <p:nvSpPr>
           <p:cNvPr id="45058" name="Rectangle 2"/>
           <p:cNvSpPr>
-            <a:spLocks noRot="1" noChangeArrowheads="1" noTextEdit="1"/>
+            <a:spLocks noGrp="1" noRot="1" noChangeAspect="1" noChangeArrowheads="1" noTextEdit="1"/>
           </p:cNvSpPr>
           <p:nvPr>
             <p:ph type="sldImg"/>
@@ -1884,7 +1918,7 @@
         <p:nvSpPr>
           <p:cNvPr id="46082" name="Rectangle 2"/>
           <p:cNvSpPr>
-            <a:spLocks noRot="1" noChangeArrowheads="1" noTextEdit="1"/>
+            <a:spLocks noGrp="1" noRot="1" noChangeAspect="1" noChangeArrowheads="1" noTextEdit="1"/>
           </p:cNvSpPr>
           <p:nvPr>
             <p:ph type="sldImg"/>
@@ -1989,7 +2023,7 @@
         <p:nvSpPr>
           <p:cNvPr id="47106" name="Rectangle 2"/>
           <p:cNvSpPr>
-            <a:spLocks noRot="1" noChangeArrowheads="1" noTextEdit="1"/>
+            <a:spLocks noGrp="1" noRot="1" noChangeAspect="1" noChangeArrowheads="1" noTextEdit="1"/>
           </p:cNvSpPr>
           <p:nvPr>
             <p:ph type="sldImg"/>
@@ -2063,7 +2097,7 @@
         <p:nvSpPr>
           <p:cNvPr id="48130" name="Rectangle 2"/>
           <p:cNvSpPr>
-            <a:spLocks noRot="1" noChangeArrowheads="1" noTextEdit="1"/>
+            <a:spLocks noGrp="1" noRot="1" noChangeAspect="1" noChangeArrowheads="1" noTextEdit="1"/>
           </p:cNvSpPr>
           <p:nvPr>
             <p:ph type="sldImg"/>
@@ -2240,7 +2274,7 @@
               <a:pPr>
                 <a:defRPr/>
               </a:pPr>
-              <a:t>2/28/2017</a:t>
+              <a:t>3/20/2017</a:t>
             </a:fld>
             <a:endParaRPr lang="en-US"/>
           </a:p>
@@ -2410,7 +2444,7 @@
               <a:pPr>
                 <a:defRPr/>
               </a:pPr>
-              <a:t>2/28/2017</a:t>
+              <a:t>3/20/2017</a:t>
             </a:fld>
             <a:endParaRPr lang="en-US"/>
           </a:p>
@@ -2613,7 +2647,7 @@
               <a:pPr>
                 <a:defRPr/>
               </a:pPr>
-              <a:t>2/28/2017</a:t>
+              <a:t>3/20/2017</a:t>
             </a:fld>
             <a:endParaRPr lang="en-US"/>
           </a:p>
@@ -2754,7 +2788,7 @@
               <a:pPr>
                 <a:defRPr/>
               </a:pPr>
-              <a:t>2/28/2017</a:t>
+              <a:t>3/20/2017</a:t>
             </a:fld>
             <a:endParaRPr lang="en-US"/>
           </a:p>
@@ -2866,7 +2900,7 @@
               <a:pPr>
                 <a:defRPr/>
               </a:pPr>
-              <a:t>2/28/2017</a:t>
+              <a:t>3/20/2017</a:t>
             </a:fld>
             <a:endParaRPr lang="en-US"/>
           </a:p>
@@ -3456,7 +3490,7 @@
               <a:pPr>
                 <a:defRPr/>
               </a:pPr>
-              <a:t>2/28/2017</a:t>
+              <a:t>3/20/2017</a:t>
             </a:fld>
             <a:endParaRPr lang="en-US"/>
           </a:p>
@@ -14578,7 +14612,7 @@
         </p:nvGraphicFramePr>
         <p:xfrm>
           <a:off x="2327275" y="2120900"/>
-          <a:ext cx="4824413" cy="3505200"/>
+          <a:ext cx="4824476" cy="3505197"/>
         </p:xfrm>
         <a:graphic>
           <a:graphicData uri="http://schemas.openxmlformats.org/drawingml/2006/table">
@@ -20067,7 +20101,7 @@
         </p:nvGraphicFramePr>
         <p:xfrm>
           <a:off x="669925" y="2262188"/>
-          <a:ext cx="8137525" cy="2547937"/>
+          <a:ext cx="8137588" cy="2548001"/>
         </p:xfrm>
         <a:graphic>
           <a:graphicData uri="http://schemas.openxmlformats.org/drawingml/2006/table">
